--- a/Project/Script Project 중간발표.pptx
+++ b/Project/Script Project 중간발표.pptx
@@ -5,17 +5,16 @@
     <p:sldMasterId id="2147483684" r:id="rId1"/>
   </p:sldMasterIdLst>
   <p:notesMasterIdLst>
-    <p:notesMasterId r:id="rId10"/>
+    <p:notesMasterId r:id="rId9"/>
   </p:notesMasterIdLst>
   <p:sldIdLst>
     <p:sldId id="256" r:id="rId2"/>
     <p:sldId id="262" r:id="rId3"/>
-    <p:sldId id="261" r:id="rId4"/>
-    <p:sldId id="264" r:id="rId5"/>
-    <p:sldId id="265" r:id="rId6"/>
-    <p:sldId id="266" r:id="rId7"/>
-    <p:sldId id="267" r:id="rId8"/>
-    <p:sldId id="263" r:id="rId9"/>
+    <p:sldId id="264" r:id="rId4"/>
+    <p:sldId id="265" r:id="rId5"/>
+    <p:sldId id="266" r:id="rId6"/>
+    <p:sldId id="267" r:id="rId7"/>
+    <p:sldId id="263" r:id="rId8"/>
   </p:sldIdLst>
   <p:sldSz cx="9144000" cy="6858000" type="screen4x3"/>
   <p:notesSz cx="6858000" cy="9144000"/>
@@ -4574,27 +4573,26 @@
           <a:lstStyle/>
           <a:p>
             <a:r>
+              <a:rPr lang="en-US" altLang="ko-KR" sz="2400" b="1" dirty="0" err="1"/>
+              <a:t>Naver</a:t>
+            </a:r>
+            <a:r>
+              <a:rPr lang="ko-KR" altLang="en-US" sz="2400" b="1" dirty="0"/>
+              <a:t> </a:t>
+            </a:r>
+            <a:r>
               <a:rPr lang="en-US" altLang="ko-KR" sz="2400" b="1" dirty="0"/>
-              <a:t>API </a:t>
-            </a:r>
-            <a:r>
-              <a:rPr lang="ko-KR" altLang="en-US" sz="2400" b="1" dirty="0"/>
-              <a:t>소개</a:t>
-            </a:r>
+              <a:t>Map</a:t>
+            </a:r>
+          </a:p>
+          <a:p>
             <a:endParaRPr lang="en-US" altLang="ko-KR" sz="2400" b="1" dirty="0"/>
           </a:p>
           <a:p>
-            <a:endParaRPr lang="en-US" altLang="ko-KR" sz="2400" b="1" dirty="0"/>
-          </a:p>
-          <a:p>
-            <a:endParaRPr lang="en-US" altLang="ko-KR" sz="2400" b="1" dirty="0"/>
-          </a:p>
-          <a:p>
-            <a:r>
-              <a:rPr lang="ko-KR" altLang="en-US" sz="2400" b="1" dirty="0"/>
-              <a:t>제작 하려는 기능</a:t>
-            </a:r>
-            <a:endParaRPr lang="en-US" altLang="ko-KR" sz="2400" b="1" dirty="0"/>
+            <a:r>
+              <a:rPr lang="en-US" altLang="ko-KR" sz="2400" b="1" dirty="0"/>
+              <a:t>GUI</a:t>
+            </a:r>
           </a:p>
         </p:txBody>
       </p:sp>
@@ -4640,19 +4638,22 @@
         </p:nvSpPr>
         <p:spPr>
           <a:xfrm>
-            <a:off x="1443491" y="1340768"/>
-            <a:ext cx="6571343" cy="512987"/>
-          </a:xfrm>
-        </p:spPr>
-        <p:txBody>
-          <a:bodyPr>
-            <a:normAutofit fontScale="90000"/>
-          </a:bodyPr>
-          <a:lstStyle/>
-          <a:p>
+            <a:off x="1443491" y="1196752"/>
+            <a:ext cx="6571343" cy="657003"/>
+          </a:xfrm>
+        </p:spPr>
+        <p:txBody>
+          <a:bodyPr/>
+          <a:lstStyle/>
+          <a:p>
+            <a:pPr algn="ctr"/>
+            <a:r>
+              <a:rPr lang="en-US" altLang="ko-KR" dirty="0" err="1"/>
+              <a:t>Naver</a:t>
+            </a:r>
             <a:r>
               <a:rPr lang="en-US" altLang="ko-KR" dirty="0"/>
-              <a:t>search</a:t>
+              <a:t> map</a:t>
             </a:r>
             <a:endParaRPr lang="ko-KR" altLang="en-US" dirty="0"/>
           </a:p>
@@ -4660,65 +4661,20 @@
       </p:sp>
       <p:sp>
         <p:nvSpPr>
-          <p:cNvPr id="6" name="내용 개체 틀 5"/>
-          <p:cNvSpPr>
-            <a:spLocks noGrp="1"/>
-          </p:cNvSpPr>
-          <p:nvPr>
-            <p:ph idx="1"/>
-          </p:nvPr>
-        </p:nvSpPr>
-        <p:spPr>
-          <a:xfrm>
-            <a:off x="1443491" y="2015733"/>
-            <a:ext cx="6571343" cy="909211"/>
-          </a:xfrm>
-        </p:spPr>
-        <p:txBody>
-          <a:bodyPr>
-            <a:normAutofit/>
-          </a:bodyPr>
-          <a:lstStyle/>
-          <a:p>
-            <a:r>
-              <a:rPr lang="ko-KR" altLang="en-US" dirty="0"/>
-              <a:t>기본적으로 검색이 기반인 </a:t>
-            </a:r>
-            <a:r>
-              <a:rPr lang="en-US" altLang="ko-KR" dirty="0"/>
-              <a:t>API</a:t>
-            </a:r>
-            <a:r>
-              <a:rPr lang="ko-KR" altLang="en-US" dirty="0"/>
-              <a:t>이므로 검색에 치중하여 제작할 생각입니다</a:t>
-            </a:r>
-            <a:r>
-              <a:rPr lang="en-US" altLang="ko-KR" dirty="0"/>
-              <a:t>.</a:t>
-            </a:r>
-            <a:endParaRPr lang="ko-KR" altLang="en-US" dirty="0"/>
-          </a:p>
-        </p:txBody>
-      </p:sp>
-      <p:sp>
-        <p:nvSpPr>
-          <p:cNvPr id="8" name="직사각형 7"/>
+          <p:cNvPr id="7" name="타원 6"/>
           <p:cNvSpPr/>
           <p:nvPr/>
         </p:nvSpPr>
         <p:spPr>
           <a:xfrm>
-            <a:off x="1619672" y="3212976"/>
-            <a:ext cx="1728192" cy="504056"/>
-          </a:xfrm>
-          <a:prstGeom prst="rect">
+            <a:off x="1878740" y="2348880"/>
+            <a:ext cx="1872208" cy="1080120"/>
+          </a:xfrm>
+          <a:prstGeom prst="ellipse">
             <a:avLst/>
           </a:prstGeom>
           <a:solidFill>
-            <a:schemeClr val="accent5">
-              <a:lumMod val="20000"/>
-              <a:lumOff val="80000"/>
-            </a:schemeClr>
+            <a:srgbClr val="92D050"/>
           </a:solidFill>
         </p:spPr>
         <p:style>
@@ -4748,27 +4704,35 @@
                   <a:schemeClr val="tx1"/>
                 </a:solidFill>
               </a:rPr>
-              <a:t>사용자의 입력</a:t>
-            </a:r>
-          </a:p>
-        </p:txBody>
-      </p:sp>
-      <p:sp>
-        <p:nvSpPr>
-          <p:cNvPr id="9" name="화살표: 오른쪽 8"/>
+              <a:t>주소</a:t>
+            </a:r>
+            <a:endParaRPr lang="en-US" altLang="ko-KR" dirty="0">
+              <a:solidFill>
+                <a:schemeClr val="tx1"/>
+              </a:solidFill>
+            </a:endParaRPr>
+          </a:p>
+        </p:txBody>
+      </p:sp>
+      <p:sp>
+        <p:nvSpPr>
+          <p:cNvPr id="8" name="구름 7"/>
           <p:cNvSpPr/>
           <p:nvPr/>
         </p:nvSpPr>
         <p:spPr>
           <a:xfrm>
-            <a:off x="3749628" y="3212976"/>
-            <a:ext cx="1296144" cy="432048"/>
-          </a:xfrm>
-          <a:prstGeom prst="rightArrow">
+            <a:off x="5148064" y="2204864"/>
+            <a:ext cx="2448272" cy="1368152"/>
+          </a:xfrm>
+          <a:prstGeom prst="cloud">
             <a:avLst/>
           </a:prstGeom>
           <a:solidFill>
-            <a:srgbClr val="00B050"/>
+            <a:schemeClr val="accent5">
+              <a:lumMod val="40000"/>
+              <a:lumOff val="60000"/>
+            </a:schemeClr>
           </a:solidFill>
         </p:spPr>
         <p:style>
@@ -4792,26 +4756,73 @@
           <a:lstStyle/>
           <a:p>
             <a:pPr algn="ctr"/>
-            <a:endParaRPr lang="ko-KR" altLang="en-US"/>
-          </a:p>
-        </p:txBody>
-      </p:sp>
-      <p:sp>
-        <p:nvSpPr>
-          <p:cNvPr id="13" name="화살표: 오른쪽 12"/>
+            <a:r>
+              <a:rPr lang="en-US" altLang="ko-KR" dirty="0">
+                <a:solidFill>
+                  <a:schemeClr val="tx1"/>
+                </a:solidFill>
+              </a:rPr>
+              <a:t>X,  Y (</a:t>
+            </a:r>
+            <a:r>
+              <a:rPr lang="ko-KR" altLang="en-US" dirty="0">
+                <a:solidFill>
+                  <a:schemeClr val="tx1"/>
+                </a:solidFill>
+              </a:rPr>
+              <a:t>위도</a:t>
+            </a:r>
+            <a:r>
+              <a:rPr lang="en-US" altLang="ko-KR" dirty="0">
+                <a:solidFill>
+                  <a:schemeClr val="tx1"/>
+                </a:solidFill>
+              </a:rPr>
+              <a:t>,</a:t>
+            </a:r>
+            <a:r>
+              <a:rPr lang="ko-KR" altLang="en-US" dirty="0">
+                <a:solidFill>
+                  <a:schemeClr val="tx1"/>
+                </a:solidFill>
+              </a:rPr>
+              <a:t>경도</a:t>
+            </a:r>
+            <a:r>
+              <a:rPr lang="en-US" altLang="ko-KR" dirty="0">
+                <a:solidFill>
+                  <a:schemeClr val="tx1"/>
+                </a:solidFill>
+              </a:rPr>
+              <a:t>)</a:t>
+            </a:r>
+            <a:endParaRPr lang="ko-KR" altLang="en-US" dirty="0">
+              <a:solidFill>
+                <a:schemeClr val="tx1"/>
+              </a:solidFill>
+            </a:endParaRPr>
+          </a:p>
+        </p:txBody>
+      </p:sp>
+      <p:sp>
+        <p:nvSpPr>
+          <p:cNvPr id="9" name="타원 8"/>
           <p:cNvSpPr/>
           <p:nvPr/>
         </p:nvSpPr>
         <p:spPr>
-          <a:xfrm rot="10800000">
-            <a:off x="3749628" y="4509120"/>
-            <a:ext cx="1296144" cy="432048"/>
-          </a:xfrm>
-          <a:prstGeom prst="rightArrow">
+          <a:xfrm>
+            <a:off x="3491880" y="4293096"/>
+            <a:ext cx="2016224" cy="1224136"/>
+          </a:xfrm>
+          <a:prstGeom prst="ellipse">
             <a:avLst/>
           </a:prstGeom>
           <a:solidFill>
-            <a:srgbClr val="00B050"/>
+            <a:schemeClr val="accent3">
+              <a:lumMod val="60000"/>
+              <a:lumOff val="40000"/>
+            </a:schemeClr>
           </a:solidFill>
         </p:spPr>
         <p:style>
@@ -4835,30 +4846,31 @@
           <a:lstStyle/>
           <a:p>
             <a:pPr algn="ctr"/>
-            <a:endParaRPr lang="ko-KR" altLang="en-US"/>
-          </a:p>
-        </p:txBody>
-      </p:sp>
-      <p:sp>
-        <p:nvSpPr>
-          <p:cNvPr id="14" name="직사각형 13"/>
+            <a:r>
+              <a:rPr lang="ko-KR" altLang="en-US" dirty="0">
+                <a:solidFill>
+                  <a:schemeClr val="tx1"/>
+                </a:solidFill>
+              </a:rPr>
+              <a:t>지도</a:t>
+            </a:r>
+          </a:p>
+        </p:txBody>
+      </p:sp>
+      <p:sp>
+        <p:nvSpPr>
+          <p:cNvPr id="12" name="화살표: 오른쪽 11"/>
           <p:cNvSpPr/>
           <p:nvPr/>
         </p:nvSpPr>
         <p:spPr>
           <a:xfrm>
-            <a:off x="1619671" y="4509120"/>
-            <a:ext cx="1728192" cy="504056"/>
-          </a:xfrm>
-          <a:prstGeom prst="rect">
+            <a:off x="4067944" y="2708920"/>
+            <a:ext cx="864096" cy="180020"/>
+          </a:xfrm>
+          <a:prstGeom prst="rightArrow">
             <a:avLst/>
           </a:prstGeom>
-          <a:solidFill>
-            <a:schemeClr val="accent5">
-              <a:lumMod val="20000"/>
-              <a:lumOff val="80000"/>
-            </a:schemeClr>
-          </a:solidFill>
         </p:spPr>
         <p:style>
           <a:lnRef idx="2">
@@ -4881,37 +4893,24 @@
           <a:lstStyle/>
           <a:p>
             <a:pPr algn="ctr"/>
-            <a:r>
-              <a:rPr lang="ko-KR" altLang="en-US" dirty="0">
-                <a:solidFill>
-                  <a:schemeClr val="tx1"/>
-                </a:solidFill>
-              </a:rPr>
-              <a:t>결과 출력</a:t>
-            </a:r>
-          </a:p>
-        </p:txBody>
-      </p:sp>
-      <p:sp>
-        <p:nvSpPr>
-          <p:cNvPr id="12" name="구름 11"/>
+            <a:endParaRPr lang="ko-KR" altLang="en-US"/>
+          </a:p>
+        </p:txBody>
+      </p:sp>
+      <p:sp>
+        <p:nvSpPr>
+          <p:cNvPr id="14" name="화살표: 오른쪽 13"/>
           <p:cNvSpPr/>
           <p:nvPr/>
         </p:nvSpPr>
         <p:spPr>
-          <a:xfrm>
-            <a:off x="5220072" y="3392996"/>
-            <a:ext cx="2567298" cy="1260140"/>
-          </a:xfrm>
-          <a:prstGeom prst="cloud">
+          <a:xfrm rot="7630476">
+            <a:off x="5063144" y="3882652"/>
+            <a:ext cx="864096" cy="216024"/>
+          </a:xfrm>
+          <a:prstGeom prst="rightArrow">
             <a:avLst/>
           </a:prstGeom>
-          <a:solidFill>
-            <a:schemeClr val="accent6">
-              <a:lumMod val="20000"/>
-              <a:lumOff val="80000"/>
-            </a:schemeClr>
-          </a:solidFill>
         </p:spPr>
         <p:style>
           <a:lnRef idx="2">
@@ -4934,26 +4933,14 @@
           <a:lstStyle/>
           <a:p>
             <a:pPr algn="ctr"/>
-            <a:r>
-              <a:rPr lang="en-US" altLang="ko-KR" sz="2800" b="1" dirty="0">
-                <a:solidFill>
-                  <a:schemeClr val="tx1"/>
-                </a:solidFill>
-              </a:rPr>
-              <a:t>Tour API</a:t>
-            </a:r>
-            <a:endParaRPr lang="ko-KR" altLang="en-US" sz="2800" b="1" dirty="0">
-              <a:solidFill>
-                <a:schemeClr val="tx1"/>
-              </a:solidFill>
-            </a:endParaRPr>
+            <a:endParaRPr lang="ko-KR" altLang="en-US"/>
           </a:p>
         </p:txBody>
       </p:sp>
     </p:spTree>
     <p:extLst>
       <p:ext uri="{BB962C8B-B14F-4D97-AF65-F5344CB8AC3E}">
-        <p14:creationId xmlns:p14="http://schemas.microsoft.com/office/powerpoint/2010/main" val="83777881"/>
+        <p14:creationId xmlns:p14="http://schemas.microsoft.com/office/powerpoint/2010/main" val="1891688455"/>
       </p:ext>
     </p:extLst>
   </p:cSld>
@@ -5003,11 +4990,7 @@
             <a:pPr algn="ctr"/>
             <a:r>
               <a:rPr lang="en-US" altLang="ko-KR" dirty="0" err="1"/>
-              <a:t>Naver</a:t>
-            </a:r>
-            <a:r>
-              <a:rPr lang="en-US" altLang="ko-KR" dirty="0"/>
-              <a:t> map</a:t>
+              <a:t>Gui</a:t>
             </a:r>
             <a:endParaRPr lang="ko-KR" altLang="en-US" dirty="0"/>
           </a:p>
@@ -5015,20 +4998,23 @@
       </p:sp>
       <p:sp>
         <p:nvSpPr>
-          <p:cNvPr id="7" name="타원 6"/>
+          <p:cNvPr id="3" name="사각형: 둥근 모서리 2"/>
           <p:cNvSpPr/>
           <p:nvPr/>
         </p:nvSpPr>
         <p:spPr>
           <a:xfrm>
-            <a:off x="1878740" y="2348880"/>
-            <a:ext cx="1872208" cy="1080120"/>
-          </a:xfrm>
-          <a:prstGeom prst="ellipse">
+            <a:off x="1443491" y="2636912"/>
+            <a:ext cx="2840477" cy="1296144"/>
+          </a:xfrm>
+          <a:prstGeom prst="roundRect">
             <a:avLst/>
           </a:prstGeom>
           <a:solidFill>
-            <a:srgbClr val="92D050"/>
+            <a:schemeClr val="accent5">
+              <a:lumMod val="40000"/>
+              <a:lumOff val="60000"/>
+            </a:schemeClr>
           </a:solidFill>
         </p:spPr>
         <p:style>
@@ -5053,14 +5039,14 @@
           <a:p>
             <a:pPr algn="ctr"/>
             <a:r>
-              <a:rPr lang="ko-KR" altLang="en-US" dirty="0">
+              <a:rPr lang="en-US" altLang="ko-KR" sz="4000" dirty="0">
                 <a:solidFill>
                   <a:schemeClr val="tx1"/>
                 </a:solidFill>
               </a:rPr>
-              <a:t>주소</a:t>
-            </a:r>
-            <a:endParaRPr lang="en-US" altLang="ko-KR" dirty="0">
+              <a:t>PyQt5</a:t>
+            </a:r>
+            <a:endParaRPr lang="ko-KR" altLang="en-US" dirty="0">
               <a:solidFill>
                 <a:schemeClr val="tx1"/>
               </a:solidFill>
@@ -5070,23 +5056,20 @@
       </p:sp>
       <p:sp>
         <p:nvSpPr>
-          <p:cNvPr id="8" name="구름 7"/>
+          <p:cNvPr id="4" name="타원 3"/>
           <p:cNvSpPr/>
           <p:nvPr/>
         </p:nvSpPr>
         <p:spPr>
           <a:xfrm>
-            <a:off x="5148064" y="2204864"/>
-            <a:ext cx="2448272" cy="1368152"/>
-          </a:xfrm>
-          <a:prstGeom prst="cloud">
+            <a:off x="5206522" y="2492896"/>
+            <a:ext cx="2808312" cy="1584176"/>
+          </a:xfrm>
+          <a:prstGeom prst="ellipse">
             <a:avLst/>
           </a:prstGeom>
           <a:solidFill>
-            <a:schemeClr val="accent5">
-              <a:lumMod val="40000"/>
-              <a:lumOff val="60000"/>
-            </a:schemeClr>
+            <a:srgbClr val="92D050"/>
           </a:solidFill>
         </p:spPr>
         <p:style>
@@ -5111,46 +5094,22 @@
           <a:p>
             <a:pPr algn="ctr"/>
             <a:r>
-              <a:rPr lang="en-US" altLang="ko-KR" dirty="0">
+              <a:rPr lang="en-US" altLang="ko-KR" sz="2800" dirty="0" err="1">
                 <a:solidFill>
                   <a:schemeClr val="tx1"/>
                 </a:solidFill>
               </a:rPr>
-              <a:t>X,  Y (</a:t>
-            </a:r>
-            <a:r>
-              <a:rPr lang="ko-KR" altLang="en-US" dirty="0">
+              <a:t>Qt</a:t>
+            </a:r>
+            <a:r>
+              <a:rPr lang="en-US" altLang="ko-KR" sz="2800" dirty="0">
                 <a:solidFill>
                   <a:schemeClr val="tx1"/>
                 </a:solidFill>
               </a:rPr>
-              <a:t>위도</a:t>
-            </a:r>
-            <a:r>
-              <a:rPr lang="en-US" altLang="ko-KR" dirty="0">
-                <a:solidFill>
-                  <a:schemeClr val="tx1"/>
-                </a:solidFill>
-              </a:rPr>
-              <a:t>,</a:t>
-            </a:r>
-            <a:r>
-              <a:rPr lang="ko-KR" altLang="en-US" dirty="0">
-                <a:solidFill>
-                  <a:schemeClr val="tx1"/>
-                </a:solidFill>
-              </a:rPr>
-              <a:t>경도</a:t>
-            </a:r>
-            <a:r>
-              <a:rPr lang="en-US" altLang="ko-KR" dirty="0">
-                <a:solidFill>
-                  <a:schemeClr val="tx1"/>
-                </a:solidFill>
-              </a:rPr>
-              <a:t>)</a:t>
-            </a:r>
-            <a:endParaRPr lang="ko-KR" altLang="en-US" dirty="0">
+              <a:t> Designer</a:t>
+            </a:r>
+            <a:endParaRPr lang="ko-KR" altLang="en-US" sz="2800" dirty="0">
               <a:solidFill>
                 <a:schemeClr val="tx1"/>
               </a:solidFill>
@@ -5158,143 +5117,10 @@
           </a:p>
         </p:txBody>
       </p:sp>
-      <p:sp>
-        <p:nvSpPr>
-          <p:cNvPr id="9" name="타원 8"/>
-          <p:cNvSpPr/>
-          <p:nvPr/>
-        </p:nvSpPr>
-        <p:spPr>
-          <a:xfrm>
-            <a:off x="3491880" y="4293096"/>
-            <a:ext cx="2016224" cy="1224136"/>
-          </a:xfrm>
-          <a:prstGeom prst="ellipse">
-            <a:avLst/>
-          </a:prstGeom>
-          <a:solidFill>
-            <a:schemeClr val="accent3">
-              <a:lumMod val="60000"/>
-              <a:lumOff val="40000"/>
-            </a:schemeClr>
-          </a:solidFill>
-        </p:spPr>
-        <p:style>
-          <a:lnRef idx="2">
-            <a:schemeClr val="accent1">
-              <a:shade val="50000"/>
-            </a:schemeClr>
-          </a:lnRef>
-          <a:fillRef idx="1">
-            <a:schemeClr val="accent1"/>
-          </a:fillRef>
-          <a:effectRef idx="0">
-            <a:schemeClr val="accent1"/>
-          </a:effectRef>
-          <a:fontRef idx="minor">
-            <a:schemeClr val="lt1"/>
-          </a:fontRef>
-        </p:style>
-        <p:txBody>
-          <a:bodyPr rtlCol="0" anchor="ctr"/>
-          <a:lstStyle/>
-          <a:p>
-            <a:pPr algn="ctr"/>
-            <a:r>
-              <a:rPr lang="ko-KR" altLang="en-US" dirty="0">
-                <a:solidFill>
-                  <a:schemeClr val="tx1"/>
-                </a:solidFill>
-              </a:rPr>
-              <a:t>지도</a:t>
-            </a:r>
-          </a:p>
-        </p:txBody>
-      </p:sp>
-      <p:sp>
-        <p:nvSpPr>
-          <p:cNvPr id="12" name="화살표: 오른쪽 11"/>
-          <p:cNvSpPr/>
-          <p:nvPr/>
-        </p:nvSpPr>
-        <p:spPr>
-          <a:xfrm>
-            <a:off x="4067944" y="2708920"/>
-            <a:ext cx="864096" cy="180020"/>
-          </a:xfrm>
-          <a:prstGeom prst="rightArrow">
-            <a:avLst/>
-          </a:prstGeom>
-        </p:spPr>
-        <p:style>
-          <a:lnRef idx="2">
-            <a:schemeClr val="accent1">
-              <a:shade val="50000"/>
-            </a:schemeClr>
-          </a:lnRef>
-          <a:fillRef idx="1">
-            <a:schemeClr val="accent1"/>
-          </a:fillRef>
-          <a:effectRef idx="0">
-            <a:schemeClr val="accent1"/>
-          </a:effectRef>
-          <a:fontRef idx="minor">
-            <a:schemeClr val="lt1"/>
-          </a:fontRef>
-        </p:style>
-        <p:txBody>
-          <a:bodyPr rtlCol="0" anchor="ctr"/>
-          <a:lstStyle/>
-          <a:p>
-            <a:pPr algn="ctr"/>
-            <a:endParaRPr lang="ko-KR" altLang="en-US"/>
-          </a:p>
-        </p:txBody>
-      </p:sp>
-      <p:sp>
-        <p:nvSpPr>
-          <p:cNvPr id="14" name="화살표: 오른쪽 13"/>
-          <p:cNvSpPr/>
-          <p:nvPr/>
-        </p:nvSpPr>
-        <p:spPr>
-          <a:xfrm rot="7630476">
-            <a:off x="5063144" y="3882652"/>
-            <a:ext cx="864096" cy="216024"/>
-          </a:xfrm>
-          <a:prstGeom prst="rightArrow">
-            <a:avLst/>
-          </a:prstGeom>
-        </p:spPr>
-        <p:style>
-          <a:lnRef idx="2">
-            <a:schemeClr val="accent1">
-              <a:shade val="50000"/>
-            </a:schemeClr>
-          </a:lnRef>
-          <a:fillRef idx="1">
-            <a:schemeClr val="accent1"/>
-          </a:fillRef>
-          <a:effectRef idx="0">
-            <a:schemeClr val="accent1"/>
-          </a:effectRef>
-          <a:fontRef idx="minor">
-            <a:schemeClr val="lt1"/>
-          </a:fontRef>
-        </p:style>
-        <p:txBody>
-          <a:bodyPr rtlCol="0" anchor="ctr"/>
-          <a:lstStyle/>
-          <a:p>
-            <a:pPr algn="ctr"/>
-            <a:endParaRPr lang="ko-KR" altLang="en-US"/>
-          </a:p>
-        </p:txBody>
-      </p:sp>
     </p:spTree>
     <p:extLst>
       <p:ext uri="{BB962C8B-B14F-4D97-AF65-F5344CB8AC3E}">
-        <p14:creationId xmlns:p14="http://schemas.microsoft.com/office/powerpoint/2010/main" val="1891688455"/>
+        <p14:creationId xmlns:p14="http://schemas.microsoft.com/office/powerpoint/2010/main" val="4124925989"/>
       </p:ext>
     </p:extLst>
   </p:cSld>
@@ -5350,131 +5176,137 @@
           </a:p>
         </p:txBody>
       </p:sp>
-      <p:sp>
-        <p:nvSpPr>
-          <p:cNvPr id="3" name="사각형: 둥근 모서리 2"/>
-          <p:cNvSpPr/>
+      <p:pic>
+        <p:nvPicPr>
+          <p:cNvPr id="5" name="그림 4"/>
+          <p:cNvPicPr>
+            <a:picLocks noChangeAspect="1"/>
+          </p:cNvPicPr>
           <p:nvPr/>
-        </p:nvSpPr>
-        <p:spPr>
-          <a:xfrm>
-            <a:off x="1443491" y="2636912"/>
-            <a:ext cx="2840477" cy="1296144"/>
-          </a:xfrm>
-          <a:prstGeom prst="roundRect">
+        </p:nvPicPr>
+        <p:blipFill>
+          <a:blip r:embed="rId2"/>
+          <a:stretch>
+            <a:fillRect/>
+          </a:stretch>
+        </p:blipFill>
+        <p:spPr>
+          <a:xfrm>
+            <a:off x="709612" y="476672"/>
+            <a:ext cx="8039100" cy="5210175"/>
+          </a:xfrm>
+          <a:prstGeom prst="rect">
             <a:avLst/>
           </a:prstGeom>
-          <a:solidFill>
-            <a:schemeClr val="accent5">
-              <a:lumMod val="40000"/>
-              <a:lumOff val="60000"/>
-            </a:schemeClr>
-          </a:solidFill>
-        </p:spPr>
-        <p:style>
-          <a:lnRef idx="2">
-            <a:schemeClr val="accent1">
-              <a:shade val="50000"/>
-            </a:schemeClr>
-          </a:lnRef>
-          <a:fillRef idx="1">
-            <a:schemeClr val="accent1"/>
-          </a:fillRef>
-          <a:effectRef idx="0">
-            <a:schemeClr val="accent1"/>
-          </a:effectRef>
-          <a:fontRef idx="minor">
-            <a:schemeClr val="lt1"/>
-          </a:fontRef>
-        </p:style>
-        <p:txBody>
-          <a:bodyPr rtlCol="0" anchor="ctr"/>
-          <a:lstStyle/>
-          <a:p>
-            <a:pPr algn="ctr"/>
-            <a:r>
-              <a:rPr lang="en-US" altLang="ko-KR" sz="4000" dirty="0">
-                <a:solidFill>
-                  <a:schemeClr val="tx1"/>
-                </a:solidFill>
-              </a:rPr>
-              <a:t>PyQt5</a:t>
-            </a:r>
-            <a:endParaRPr lang="ko-KR" altLang="en-US" dirty="0">
-              <a:solidFill>
-                <a:schemeClr val="tx1"/>
-              </a:solidFill>
-            </a:endParaRPr>
-          </a:p>
-        </p:txBody>
-      </p:sp>
-      <p:sp>
-        <p:nvSpPr>
-          <p:cNvPr id="4" name="타원 3"/>
-          <p:cNvSpPr/>
+        </p:spPr>
+      </p:pic>
+      <p:sp>
+        <p:nvSpPr>
+          <p:cNvPr id="6" name="TextBox 5"/>
+          <p:cNvSpPr txBox="1"/>
           <p:nvPr/>
         </p:nvSpPr>
         <p:spPr>
           <a:xfrm>
-            <a:off x="5206522" y="2492896"/>
-            <a:ext cx="2808312" cy="1584176"/>
-          </a:xfrm>
-          <a:prstGeom prst="ellipse">
+            <a:off x="4205309" y="1012086"/>
+            <a:ext cx="4176464" cy="369332"/>
+          </a:xfrm>
+          <a:prstGeom prst="rect">
             <a:avLst/>
           </a:prstGeom>
-          <a:solidFill>
-            <a:srgbClr val="92D050"/>
-          </a:solidFill>
-        </p:spPr>
-        <p:style>
-          <a:lnRef idx="2">
-            <a:schemeClr val="accent1">
-              <a:shade val="50000"/>
-            </a:schemeClr>
-          </a:lnRef>
-          <a:fillRef idx="1">
-            <a:schemeClr val="accent1"/>
-          </a:fillRef>
-          <a:effectRef idx="0">
-            <a:schemeClr val="accent1"/>
-          </a:effectRef>
-          <a:fontRef idx="minor">
-            <a:schemeClr val="lt1"/>
-          </a:fontRef>
-        </p:style>
-        <p:txBody>
-          <a:bodyPr rtlCol="0" anchor="ctr"/>
+          <a:noFill/>
+        </p:spPr>
+        <p:txBody>
+          <a:bodyPr wrap="square" rtlCol="0">
+            <a:spAutoFit/>
+          </a:bodyPr>
           <a:lstStyle/>
           <a:p>
             <a:pPr algn="ctr"/>
             <a:r>
-              <a:rPr lang="en-US" altLang="ko-KR" sz="2800" dirty="0" err="1">
-                <a:solidFill>
-                  <a:schemeClr val="tx1"/>
-                </a:solidFill>
-              </a:rPr>
-              <a:t>Qt</a:t>
-            </a:r>
-            <a:r>
-              <a:rPr lang="en-US" altLang="ko-KR" sz="2800" dirty="0">
-                <a:solidFill>
-                  <a:schemeClr val="tx1"/>
-                </a:solidFill>
-              </a:rPr>
-              <a:t> Designer</a:t>
-            </a:r>
-            <a:endParaRPr lang="ko-KR" altLang="en-US" sz="2800" dirty="0">
-              <a:solidFill>
-                <a:schemeClr val="tx1"/>
-              </a:solidFill>
-            </a:endParaRPr>
+              <a:rPr lang="en-US" altLang="ko-KR" dirty="0" err="1"/>
+              <a:t>Naver</a:t>
+            </a:r>
+            <a:r>
+              <a:rPr lang="en-US" altLang="ko-KR" dirty="0"/>
+              <a:t> WebView Window</a:t>
+            </a:r>
+            <a:endParaRPr lang="ko-KR" altLang="en-US" dirty="0"/>
+          </a:p>
+        </p:txBody>
+      </p:sp>
+      <p:sp>
+        <p:nvSpPr>
+          <p:cNvPr id="7" name="TextBox 6"/>
+          <p:cNvSpPr txBox="1"/>
+          <p:nvPr/>
+        </p:nvSpPr>
+        <p:spPr>
+          <a:xfrm>
+            <a:off x="827584" y="3216303"/>
+            <a:ext cx="2408429" cy="369332"/>
+          </a:xfrm>
+          <a:prstGeom prst="rect">
+            <a:avLst/>
+          </a:prstGeom>
+          <a:noFill/>
+        </p:spPr>
+        <p:txBody>
+          <a:bodyPr wrap="square" rtlCol="0">
+            <a:spAutoFit/>
+          </a:bodyPr>
+          <a:lstStyle/>
+          <a:p>
+            <a:r>
+              <a:rPr lang="en-US" altLang="ko-KR" dirty="0" err="1"/>
+              <a:t>Serach</a:t>
+            </a:r>
+            <a:r>
+              <a:rPr lang="en-US" altLang="ko-KR" dirty="0"/>
+              <a:t> Result Window</a:t>
+            </a:r>
+            <a:endParaRPr lang="ko-KR" altLang="en-US" dirty="0"/>
+          </a:p>
+        </p:txBody>
+      </p:sp>
+      <p:sp>
+        <p:nvSpPr>
+          <p:cNvPr id="8" name="TextBox 7"/>
+          <p:cNvSpPr txBox="1"/>
+          <p:nvPr/>
+        </p:nvSpPr>
+        <p:spPr>
+          <a:xfrm>
+            <a:off x="1443491" y="827420"/>
+            <a:ext cx="2408429" cy="369332"/>
+          </a:xfrm>
+          <a:prstGeom prst="rect">
+            <a:avLst/>
+          </a:prstGeom>
+          <a:noFill/>
+        </p:spPr>
+        <p:txBody>
+          <a:bodyPr wrap="square" rtlCol="0">
+            <a:spAutoFit/>
+          </a:bodyPr>
+          <a:lstStyle/>
+          <a:p>
+            <a:r>
+              <a:rPr lang="en-US" altLang="ko-KR" dirty="0" err="1"/>
+              <a:t>Serach</a:t>
+            </a:r>
+            <a:r>
+              <a:rPr lang="en-US" altLang="ko-KR" dirty="0"/>
+              <a:t> Tool Window</a:t>
+            </a:r>
+            <a:endParaRPr lang="ko-KR" altLang="en-US" dirty="0"/>
           </a:p>
         </p:txBody>
       </p:sp>
     </p:spTree>
     <p:extLst>
       <p:ext uri="{BB962C8B-B14F-4D97-AF65-F5344CB8AC3E}">
-        <p14:creationId xmlns:p14="http://schemas.microsoft.com/office/powerpoint/2010/main" val="4124925989"/>
+        <p14:creationId xmlns:p14="http://schemas.microsoft.com/office/powerpoint/2010/main" val="2874143008"/>
       </p:ext>
     </p:extLst>
   </p:cSld>
@@ -5524,192 +5356,6 @@
             <a:pPr algn="ctr"/>
             <a:r>
               <a:rPr lang="en-US" altLang="ko-KR" dirty="0" err="1"/>
-              <a:t>Gui</a:t>
-            </a:r>
-            <a:endParaRPr lang="ko-KR" altLang="en-US" dirty="0"/>
-          </a:p>
-        </p:txBody>
-      </p:sp>
-      <p:pic>
-        <p:nvPicPr>
-          <p:cNvPr id="5" name="그림 4"/>
-          <p:cNvPicPr>
-            <a:picLocks noChangeAspect="1"/>
-          </p:cNvPicPr>
-          <p:nvPr/>
-        </p:nvPicPr>
-        <p:blipFill>
-          <a:blip r:embed="rId2"/>
-          <a:stretch>
-            <a:fillRect/>
-          </a:stretch>
-        </p:blipFill>
-        <p:spPr>
-          <a:xfrm>
-            <a:off x="709612" y="476672"/>
-            <a:ext cx="8039100" cy="5210175"/>
-          </a:xfrm>
-          <a:prstGeom prst="rect">
-            <a:avLst/>
-          </a:prstGeom>
-        </p:spPr>
-      </p:pic>
-      <p:sp>
-        <p:nvSpPr>
-          <p:cNvPr id="6" name="TextBox 5"/>
-          <p:cNvSpPr txBox="1"/>
-          <p:nvPr/>
-        </p:nvSpPr>
-        <p:spPr>
-          <a:xfrm>
-            <a:off x="4205309" y="1012086"/>
-            <a:ext cx="4176464" cy="369332"/>
-          </a:xfrm>
-          <a:prstGeom prst="rect">
-            <a:avLst/>
-          </a:prstGeom>
-          <a:noFill/>
-        </p:spPr>
-        <p:txBody>
-          <a:bodyPr wrap="square" rtlCol="0">
-            <a:spAutoFit/>
-          </a:bodyPr>
-          <a:lstStyle/>
-          <a:p>
-            <a:pPr algn="ctr"/>
-            <a:r>
-              <a:rPr lang="en-US" altLang="ko-KR" dirty="0" err="1"/>
-              <a:t>Naver</a:t>
-            </a:r>
-            <a:r>
-              <a:rPr lang="en-US" altLang="ko-KR" dirty="0"/>
-              <a:t> WebView Window</a:t>
-            </a:r>
-            <a:endParaRPr lang="ko-KR" altLang="en-US" dirty="0"/>
-          </a:p>
-        </p:txBody>
-      </p:sp>
-      <p:sp>
-        <p:nvSpPr>
-          <p:cNvPr id="7" name="TextBox 6"/>
-          <p:cNvSpPr txBox="1"/>
-          <p:nvPr/>
-        </p:nvSpPr>
-        <p:spPr>
-          <a:xfrm>
-            <a:off x="827584" y="3216303"/>
-            <a:ext cx="2408429" cy="369332"/>
-          </a:xfrm>
-          <a:prstGeom prst="rect">
-            <a:avLst/>
-          </a:prstGeom>
-          <a:noFill/>
-        </p:spPr>
-        <p:txBody>
-          <a:bodyPr wrap="square" rtlCol="0">
-            <a:spAutoFit/>
-          </a:bodyPr>
-          <a:lstStyle/>
-          <a:p>
-            <a:r>
-              <a:rPr lang="en-US" altLang="ko-KR" dirty="0" err="1"/>
-              <a:t>Serach</a:t>
-            </a:r>
-            <a:r>
-              <a:rPr lang="en-US" altLang="ko-KR" dirty="0"/>
-              <a:t> Result Window</a:t>
-            </a:r>
-            <a:endParaRPr lang="ko-KR" altLang="en-US" dirty="0"/>
-          </a:p>
-        </p:txBody>
-      </p:sp>
-      <p:sp>
-        <p:nvSpPr>
-          <p:cNvPr id="8" name="TextBox 7"/>
-          <p:cNvSpPr txBox="1"/>
-          <p:nvPr/>
-        </p:nvSpPr>
-        <p:spPr>
-          <a:xfrm>
-            <a:off x="1443491" y="827420"/>
-            <a:ext cx="2408429" cy="369332"/>
-          </a:xfrm>
-          <a:prstGeom prst="rect">
-            <a:avLst/>
-          </a:prstGeom>
-          <a:noFill/>
-        </p:spPr>
-        <p:txBody>
-          <a:bodyPr wrap="square" rtlCol="0">
-            <a:spAutoFit/>
-          </a:bodyPr>
-          <a:lstStyle/>
-          <a:p>
-            <a:r>
-              <a:rPr lang="en-US" altLang="ko-KR" dirty="0" err="1"/>
-              <a:t>Serach</a:t>
-            </a:r>
-            <a:r>
-              <a:rPr lang="en-US" altLang="ko-KR" dirty="0"/>
-              <a:t> Tool Window</a:t>
-            </a:r>
-            <a:endParaRPr lang="ko-KR" altLang="en-US" dirty="0"/>
-          </a:p>
-        </p:txBody>
-      </p:sp>
-    </p:spTree>
-    <p:extLst>
-      <p:ext uri="{BB962C8B-B14F-4D97-AF65-F5344CB8AC3E}">
-        <p14:creationId xmlns:p14="http://schemas.microsoft.com/office/powerpoint/2010/main" val="2874143008"/>
-      </p:ext>
-    </p:extLst>
-  </p:cSld>
-  <p:clrMapOvr>
-    <a:masterClrMapping/>
-  </p:clrMapOvr>
-</p:sld>
-</file>
-
-<file path=ppt/slides/slide7.xml><?xml version="1.0" encoding="utf-8"?>
-<p:sld xmlns:a="http://schemas.openxmlformats.org/drawingml/2006/main" xmlns:r="http://schemas.openxmlformats.org/officeDocument/2006/relationships" xmlns:p="http://schemas.openxmlformats.org/presentationml/2006/main">
-  <p:cSld>
-    <p:spTree>
-      <p:nvGrpSpPr>
-        <p:cNvPr id="1" name=""/>
-        <p:cNvGrpSpPr/>
-        <p:nvPr/>
-      </p:nvGrpSpPr>
-      <p:grpSpPr>
-        <a:xfrm>
-          <a:off x="0" y="0"/>
-          <a:ext cx="0" cy="0"/>
-          <a:chOff x="0" y="0"/>
-          <a:chExt cx="0" cy="0"/>
-        </a:xfrm>
-      </p:grpSpPr>
-      <p:sp>
-        <p:nvSpPr>
-          <p:cNvPr id="2" name="제목 1"/>
-          <p:cNvSpPr>
-            <a:spLocks noGrp="1"/>
-          </p:cNvSpPr>
-          <p:nvPr>
-            <p:ph type="title"/>
-          </p:nvPr>
-        </p:nvSpPr>
-        <p:spPr>
-          <a:xfrm>
-            <a:off x="1443491" y="1196752"/>
-            <a:ext cx="6571343" cy="657003"/>
-          </a:xfrm>
-        </p:spPr>
-        <p:txBody>
-          <a:bodyPr/>
-          <a:lstStyle/>
-          <a:p>
-            <a:pPr algn="ctr"/>
-            <a:r>
-              <a:rPr lang="en-US" altLang="ko-KR" dirty="0" err="1"/>
               <a:t>GiT</a:t>
             </a:r>
             <a:r>
@@ -5757,7 +5403,7 @@
 </p:sld>
 </file>
 
-<file path=ppt/slides/slide8.xml><?xml version="1.0" encoding="utf-8"?>
+<file path=ppt/slides/slide7.xml><?xml version="1.0" encoding="utf-8"?>
 <p:sld xmlns:a="http://schemas.openxmlformats.org/drawingml/2006/main" xmlns:r="http://schemas.openxmlformats.org/officeDocument/2006/relationships" xmlns:p="http://schemas.openxmlformats.org/presentationml/2006/main">
   <p:cSld>
     <p:spTree>
